--- a/_posts/Docker/도커 최종 정리.pptx
+++ b/_posts/Docker/도커 최종 정리.pptx
@@ -18,7 +18,9 @@
     <p:sldId id="266" r:id="rId12"/>
     <p:sldId id="267" r:id="rId13"/>
     <p:sldId id="268" r:id="rId14"/>
-    <p:sldId id="269" r:id="rId15"/>
+    <p:sldId id="271" r:id="rId15"/>
+    <p:sldId id="269" r:id="rId16"/>
+    <p:sldId id="270" r:id="rId17"/>
   </p:sldIdLst>
   <p:sldSz cx="12192000" cy="6858000"/>
   <p:notesSz cx="6858000" cy="9144000"/>
@@ -272,7 +274,7 @@
           <a:p>
             <a:fld id="{5FDF8FB2-80E9-46F6-B0BC-C85924FBE7B8}" type="datetimeFigureOut">
               <a:rPr lang="ko-KR" altLang="en-US" smtClean="0"/>
-              <a:t>2023-02-09</a:t>
+              <a:t>2023-02-19</a:t>
             </a:fld>
             <a:endParaRPr lang="ko-KR" altLang="en-US"/>
           </a:p>
@@ -470,7 +472,7 @@
           <a:p>
             <a:fld id="{5FDF8FB2-80E9-46F6-B0BC-C85924FBE7B8}" type="datetimeFigureOut">
               <a:rPr lang="ko-KR" altLang="en-US" smtClean="0"/>
-              <a:t>2023-02-09</a:t>
+              <a:t>2023-02-19</a:t>
             </a:fld>
             <a:endParaRPr lang="ko-KR" altLang="en-US"/>
           </a:p>
@@ -678,7 +680,7 @@
           <a:p>
             <a:fld id="{5FDF8FB2-80E9-46F6-B0BC-C85924FBE7B8}" type="datetimeFigureOut">
               <a:rPr lang="ko-KR" altLang="en-US" smtClean="0"/>
-              <a:t>2023-02-09</a:t>
+              <a:t>2023-02-19</a:t>
             </a:fld>
             <a:endParaRPr lang="ko-KR" altLang="en-US"/>
           </a:p>
@@ -876,7 +878,7 @@
           <a:p>
             <a:fld id="{5FDF8FB2-80E9-46F6-B0BC-C85924FBE7B8}" type="datetimeFigureOut">
               <a:rPr lang="ko-KR" altLang="en-US" smtClean="0"/>
-              <a:t>2023-02-09</a:t>
+              <a:t>2023-02-19</a:t>
             </a:fld>
             <a:endParaRPr lang="ko-KR" altLang="en-US"/>
           </a:p>
@@ -1151,7 +1153,7 @@
           <a:p>
             <a:fld id="{5FDF8FB2-80E9-46F6-B0BC-C85924FBE7B8}" type="datetimeFigureOut">
               <a:rPr lang="ko-KR" altLang="en-US" smtClean="0"/>
-              <a:t>2023-02-09</a:t>
+              <a:t>2023-02-19</a:t>
             </a:fld>
             <a:endParaRPr lang="ko-KR" altLang="en-US"/>
           </a:p>
@@ -1416,7 +1418,7 @@
           <a:p>
             <a:fld id="{5FDF8FB2-80E9-46F6-B0BC-C85924FBE7B8}" type="datetimeFigureOut">
               <a:rPr lang="ko-KR" altLang="en-US" smtClean="0"/>
-              <a:t>2023-02-09</a:t>
+              <a:t>2023-02-19</a:t>
             </a:fld>
             <a:endParaRPr lang="ko-KR" altLang="en-US"/>
           </a:p>
@@ -1828,7 +1830,7 @@
           <a:p>
             <a:fld id="{5FDF8FB2-80E9-46F6-B0BC-C85924FBE7B8}" type="datetimeFigureOut">
               <a:rPr lang="ko-KR" altLang="en-US" smtClean="0"/>
-              <a:t>2023-02-09</a:t>
+              <a:t>2023-02-19</a:t>
             </a:fld>
             <a:endParaRPr lang="ko-KR" altLang="en-US"/>
           </a:p>
@@ -1969,7 +1971,7 @@
           <a:p>
             <a:fld id="{5FDF8FB2-80E9-46F6-B0BC-C85924FBE7B8}" type="datetimeFigureOut">
               <a:rPr lang="ko-KR" altLang="en-US" smtClean="0"/>
-              <a:t>2023-02-09</a:t>
+              <a:t>2023-02-19</a:t>
             </a:fld>
             <a:endParaRPr lang="ko-KR" altLang="en-US"/>
           </a:p>
@@ -2082,7 +2084,7 @@
           <a:p>
             <a:fld id="{5FDF8FB2-80E9-46F6-B0BC-C85924FBE7B8}" type="datetimeFigureOut">
               <a:rPr lang="ko-KR" altLang="en-US" smtClean="0"/>
-              <a:t>2023-02-09</a:t>
+              <a:t>2023-02-19</a:t>
             </a:fld>
             <a:endParaRPr lang="ko-KR" altLang="en-US"/>
           </a:p>
@@ -2393,7 +2395,7 @@
           <a:p>
             <a:fld id="{5FDF8FB2-80E9-46F6-B0BC-C85924FBE7B8}" type="datetimeFigureOut">
               <a:rPr lang="ko-KR" altLang="en-US" smtClean="0"/>
-              <a:t>2023-02-09</a:t>
+              <a:t>2023-02-19</a:t>
             </a:fld>
             <a:endParaRPr lang="ko-KR" altLang="en-US"/>
           </a:p>
@@ -2681,7 +2683,7 @@
           <a:p>
             <a:fld id="{5FDF8FB2-80E9-46F6-B0BC-C85924FBE7B8}" type="datetimeFigureOut">
               <a:rPr lang="ko-KR" altLang="en-US" smtClean="0"/>
-              <a:t>2023-02-09</a:t>
+              <a:t>2023-02-19</a:t>
             </a:fld>
             <a:endParaRPr lang="ko-KR" altLang="en-US"/>
           </a:p>
@@ -2922,7 +2924,7 @@
           <a:p>
             <a:fld id="{5FDF8FB2-80E9-46F6-B0BC-C85924FBE7B8}" type="datetimeFigureOut">
               <a:rPr lang="ko-KR" altLang="en-US" smtClean="0"/>
-              <a:t>2023-02-09</a:t>
+              <a:t>2023-02-19</a:t>
             </a:fld>
             <a:endParaRPr lang="ko-KR" altLang="en-US"/>
           </a:p>
@@ -4678,7 +4680,7 @@
         </p:nvSpPr>
         <p:spPr>
           <a:xfrm>
-            <a:off x="763480" y="1669002"/>
+            <a:off x="763480" y="815083"/>
             <a:ext cx="6205491" cy="461665"/>
           </a:xfrm>
           <a:prstGeom prst="rect">
@@ -4693,37 +4695,457 @@
           <a:lstStyle/>
           <a:p>
             <a:r>
+              <a:rPr lang="ko-KR" altLang="en-US" sz="2400" b="1" dirty="0" err="1"/>
+              <a:t>도커</a:t>
+            </a:r>
+            <a:r>
               <a:rPr lang="ko-KR" altLang="en-US" sz="2400" b="1" dirty="0"/>
-              <a:t>컨테이너</a:t>
+              <a:t> 이미지</a:t>
             </a:r>
             <a:r>
               <a:rPr lang="en-US" altLang="ko-KR" sz="2400" b="1" dirty="0"/>
-              <a:t>(Containers)</a:t>
-            </a:r>
-          </a:p>
-        </p:txBody>
-      </p:sp>
-      <p:sp>
-        <p:nvSpPr>
-          <p:cNvPr id="3" name="TextBox 2">
-            <a:extLst>
-              <a:ext uri="{FF2B5EF4-FFF2-40B4-BE49-F238E27FC236}">
-                <a16:creationId xmlns:a16="http://schemas.microsoft.com/office/drawing/2014/main" id="{35C4FB0C-3612-4775-95C8-2956A60C81AB}"/>
-              </a:ext>
-            </a:extLst>
-          </p:cNvPr>
-          <p:cNvSpPr txBox="1"/>
+              <a:t>(Docker Images)</a:t>
+            </a:r>
+          </a:p>
+        </p:txBody>
+      </p:sp>
+      <p:pic>
+        <p:nvPicPr>
+          <p:cNvPr id="6" name="Picture 2" descr="image-layer">
+            <a:extLst>
+              <a:ext uri="{FF2B5EF4-FFF2-40B4-BE49-F238E27FC236}">
+                <a16:creationId xmlns:a16="http://schemas.microsoft.com/office/drawing/2014/main" id="{18F0E446-0819-40FF-91D2-AE06AE38E13A}"/>
+              </a:ext>
+            </a:extLst>
+          </p:cNvPr>
+          <p:cNvPicPr>
+            <a:picLocks noChangeAspect="1" noChangeArrowheads="1"/>
+          </p:cNvPicPr>
           <p:nvPr/>
-        </p:nvSpPr>
-        <p:spPr>
-          <a:xfrm>
-            <a:off x="1420427" y="3151573"/>
-            <a:ext cx="10427855" cy="646331"/>
+        </p:nvPicPr>
+        <p:blipFill>
+          <a:blip r:embed="rId3">
+            <a:extLst>
+              <a:ext uri="{28A0092B-C50C-407E-A947-70E740481C1C}">
+                <a14:useLocalDpi xmlns:a14="http://schemas.microsoft.com/office/drawing/2010/main" val="0"/>
+              </a:ext>
+            </a:extLst>
+          </a:blip>
+          <a:srcRect/>
+          <a:stretch>
+            <a:fillRect/>
+          </a:stretch>
+        </p:blipFill>
+        <p:spPr bwMode="auto">
+          <a:xfrm>
+            <a:off x="1447800" y="1276748"/>
+            <a:ext cx="8669215" cy="3433822"/>
           </a:xfrm>
           <a:prstGeom prst="rect">
             <a:avLst/>
           </a:prstGeom>
           <a:noFill/>
+          <a:extLst>
+            <a:ext uri="{909E8E84-426E-40DD-AFC4-6F175D3DCCD1}">
+              <a14:hiddenFill xmlns:a14="http://schemas.microsoft.com/office/drawing/2010/main">
+                <a:solidFill>
+                  <a:srgbClr val="FFFFFF"/>
+                </a:solidFill>
+              </a14:hiddenFill>
+            </a:ext>
+          </a:extLst>
+        </p:spPr>
+      </p:pic>
+      <p:sp>
+        <p:nvSpPr>
+          <p:cNvPr id="7" name="TextBox 6">
+            <a:extLst>
+              <a:ext uri="{FF2B5EF4-FFF2-40B4-BE49-F238E27FC236}">
+                <a16:creationId xmlns:a16="http://schemas.microsoft.com/office/drawing/2014/main" id="{F347131F-CA4C-42FA-ADF5-795572495D9B}"/>
+              </a:ext>
+            </a:extLst>
+          </p:cNvPr>
+          <p:cNvSpPr txBox="1"/>
+          <p:nvPr/>
+        </p:nvSpPr>
+        <p:spPr>
+          <a:xfrm>
+            <a:off x="650631" y="4849069"/>
+            <a:ext cx="10591800" cy="1754326"/>
+          </a:xfrm>
+          <a:prstGeom prst="rect">
+            <a:avLst/>
+          </a:prstGeom>
+          <a:noFill/>
+        </p:spPr>
+        <p:txBody>
+          <a:bodyPr wrap="square" rtlCol="0">
+            <a:spAutoFit/>
+          </a:bodyPr>
+          <a:lstStyle/>
+          <a:p>
+            <a:pPr marL="285750" indent="-285750">
+              <a:buFontTx/>
+              <a:buChar char="-"/>
+            </a:pPr>
+            <a:r>
+              <a:rPr lang="ko-KR" altLang="en-US" dirty="0" err="1"/>
+              <a:t>도커</a:t>
+            </a:r>
+            <a:r>
+              <a:rPr lang="ko-KR" altLang="en-US" dirty="0"/>
+              <a:t> 이미지는 </a:t>
+            </a:r>
+            <a:r>
+              <a:rPr lang="en-US" altLang="ko-KR" dirty="0"/>
+              <a:t>layer</a:t>
+            </a:r>
+            <a:r>
+              <a:rPr lang="ko-KR" altLang="en-US" dirty="0"/>
+              <a:t>라는 개념을 사용하고 있음</a:t>
+            </a:r>
+            <a:endParaRPr lang="en-US" altLang="ko-KR" dirty="0"/>
+          </a:p>
+          <a:p>
+            <a:pPr marL="285750" indent="-285750">
+              <a:buFontTx/>
+              <a:buChar char="-"/>
+            </a:pPr>
+            <a:r>
+              <a:rPr lang="ko-KR" altLang="en-US" dirty="0" err="1"/>
+              <a:t>도커는</a:t>
+            </a:r>
+            <a:r>
+              <a:rPr lang="ko-KR" altLang="en-US" dirty="0"/>
+              <a:t> 여러 개의 레이어를 하나의 파일 시스템으로 사용할 수 있게 한다</a:t>
+            </a:r>
+            <a:endParaRPr lang="en-US" altLang="ko-KR" dirty="0"/>
+          </a:p>
+          <a:p>
+            <a:pPr marL="285750" indent="-285750">
+              <a:buFontTx/>
+              <a:buChar char="-"/>
+            </a:pPr>
+            <a:r>
+              <a:rPr lang="en-US" altLang="ko-KR" dirty="0"/>
+              <a:t>Read only </a:t>
+            </a:r>
+            <a:r>
+              <a:rPr lang="ko-KR" altLang="en-US" dirty="0"/>
+              <a:t>레이어로 구성되고 파일이 추가되거나 수정되면 새로운 레이어를 생성한다</a:t>
+            </a:r>
+            <a:r>
+              <a:rPr lang="en-US" altLang="ko-KR" dirty="0"/>
+              <a:t>.</a:t>
+            </a:r>
+          </a:p>
+          <a:p>
+            <a:pPr marL="285750" indent="-285750">
+              <a:buFontTx/>
+              <a:buChar char="-"/>
+            </a:pPr>
+            <a:r>
+              <a:rPr lang="en-US" altLang="ko-KR" dirty="0"/>
+              <a:t>Ubuntu</a:t>
+            </a:r>
+            <a:r>
+              <a:rPr lang="ko-KR" altLang="en-US" dirty="0"/>
+              <a:t>가 </a:t>
+            </a:r>
+            <a:r>
+              <a:rPr lang="en-US" altLang="ko-KR" dirty="0"/>
+              <a:t>A+B+C</a:t>
+            </a:r>
+            <a:r>
+              <a:rPr lang="ko-KR" altLang="en-US" dirty="0"/>
+              <a:t>의 레이어를 가지고 있다면 </a:t>
+            </a:r>
+            <a:r>
+              <a:rPr lang="en-US" altLang="ko-KR" dirty="0"/>
+              <a:t>Ubuntu</a:t>
+            </a:r>
+            <a:r>
+              <a:rPr lang="ko-KR" altLang="en-US" dirty="0"/>
+              <a:t>기반의 </a:t>
+            </a:r>
+            <a:r>
+              <a:rPr lang="en-US" altLang="ko-KR" dirty="0"/>
+              <a:t>Nginx</a:t>
+            </a:r>
+            <a:r>
+              <a:rPr lang="ko-KR" altLang="en-US" dirty="0"/>
+              <a:t>는 </a:t>
+            </a:r>
+            <a:r>
+              <a:rPr lang="en-US" altLang="ko-KR" dirty="0" err="1"/>
+              <a:t>A+B+C+nginx</a:t>
+            </a:r>
+            <a:r>
+              <a:rPr lang="ko-KR" altLang="en-US" dirty="0"/>
+              <a:t>가 된다</a:t>
+            </a:r>
+            <a:r>
+              <a:rPr lang="en-US" altLang="ko-KR" dirty="0"/>
+              <a:t>. </a:t>
+            </a:r>
+            <a:r>
+              <a:rPr lang="ko-KR" altLang="en-US" dirty="0"/>
+              <a:t>여기에 추가파일이 추가된다면 </a:t>
+            </a:r>
+            <a:r>
+              <a:rPr lang="en-US" altLang="ko-KR" dirty="0" err="1"/>
+              <a:t>A+B+C+nginx+source</a:t>
+            </a:r>
+            <a:r>
+              <a:rPr lang="ko-KR" altLang="en-US" dirty="0"/>
+              <a:t>가 </a:t>
+            </a:r>
+            <a:r>
+              <a:rPr lang="ko-KR" altLang="en-US" dirty="0" err="1"/>
+              <a:t>될것이고</a:t>
+            </a:r>
+            <a:r>
+              <a:rPr lang="ko-KR" altLang="en-US" dirty="0"/>
+              <a:t> 추가된 파일이 변경되면 </a:t>
+            </a:r>
+            <a:r>
+              <a:rPr lang="en-US" altLang="ko-KR" dirty="0" err="1"/>
+              <a:t>A+B+C+nginx</a:t>
+            </a:r>
+            <a:r>
+              <a:rPr lang="ko-KR" altLang="en-US" dirty="0"/>
+              <a:t>까지 같고 </a:t>
+            </a:r>
+            <a:r>
+              <a:rPr lang="en-US" altLang="ko-KR" dirty="0"/>
+              <a:t>source</a:t>
+            </a:r>
+            <a:r>
+              <a:rPr lang="ko-KR" altLang="en-US" dirty="0"/>
+              <a:t>만 다른 레이어를 </a:t>
+            </a:r>
+            <a:r>
+              <a:rPr lang="ko-KR" altLang="en-US" dirty="0" err="1"/>
+              <a:t>받으면된다</a:t>
+            </a:r>
+            <a:r>
+              <a:rPr lang="en-US" altLang="ko-KR" dirty="0"/>
+              <a:t>.</a:t>
+            </a:r>
+            <a:endParaRPr lang="ko-KR" altLang="en-US" dirty="0"/>
+          </a:p>
+        </p:txBody>
+      </p:sp>
+    </p:spTree>
+    <p:extLst>
+      <p:ext uri="{BB962C8B-B14F-4D97-AF65-F5344CB8AC3E}">
+        <p14:creationId xmlns:p14="http://schemas.microsoft.com/office/powerpoint/2010/main" val="593741194"/>
+      </p:ext>
+    </p:extLst>
+  </p:cSld>
+  <p:clrMapOvr>
+    <a:masterClrMapping/>
+  </p:clrMapOvr>
+</p:sld>
+</file>
+
+<file path=ppt/slides/slide15.xml><?xml version="1.0" encoding="utf-8"?>
+<p:sld xmlns:a="http://schemas.openxmlformats.org/drawingml/2006/main" xmlns:r="http://schemas.openxmlformats.org/officeDocument/2006/relationships" xmlns:p="http://schemas.openxmlformats.org/presentationml/2006/main">
+  <p:cSld>
+    <p:spTree>
+      <p:nvGrpSpPr>
+        <p:cNvPr id="1" name=""/>
+        <p:cNvGrpSpPr/>
+        <p:nvPr/>
+      </p:nvGrpSpPr>
+      <p:grpSpPr>
+        <a:xfrm>
+          <a:off x="0" y="0"/>
+          <a:ext cx="0" cy="0"/>
+          <a:chOff x="0" y="0"/>
+          <a:chExt cx="0" cy="0"/>
+        </a:xfrm>
+      </p:grpSpPr>
+      <p:sp>
+        <p:nvSpPr>
+          <p:cNvPr id="4" name="직사각형 3">
+            <a:extLst>
+              <a:ext uri="{FF2B5EF4-FFF2-40B4-BE49-F238E27FC236}">
+                <a16:creationId xmlns:a16="http://schemas.microsoft.com/office/drawing/2014/main" id="{8ED7A43D-7FFB-4BAF-BA2F-DF4FA503A7C1}"/>
+              </a:ext>
+            </a:extLst>
+          </p:cNvPr>
+          <p:cNvSpPr/>
+          <p:nvPr/>
+        </p:nvSpPr>
+        <p:spPr>
+          <a:xfrm>
+            <a:off x="0" y="0"/>
+            <a:ext cx="12192000" cy="639192"/>
+          </a:xfrm>
+          <a:prstGeom prst="rect">
+            <a:avLst/>
+          </a:prstGeom>
+          <a:solidFill>
+            <a:schemeClr val="bg1">
+              <a:lumMod val="85000"/>
+            </a:schemeClr>
+          </a:solidFill>
+          <a:ln>
+            <a:noFill/>
+          </a:ln>
+        </p:spPr>
+        <p:style>
+          <a:lnRef idx="2">
+            <a:schemeClr val="accent1">
+              <a:shade val="50000"/>
+            </a:schemeClr>
+          </a:lnRef>
+          <a:fillRef idx="1">
+            <a:schemeClr val="accent1"/>
+          </a:fillRef>
+          <a:effectRef idx="0">
+            <a:schemeClr val="accent1"/>
+          </a:effectRef>
+          <a:fontRef idx="minor">
+            <a:schemeClr val="lt1"/>
+          </a:fontRef>
+        </p:style>
+        <p:txBody>
+          <a:bodyPr rtlCol="0" anchor="ctr"/>
+          <a:lstStyle/>
+          <a:p>
+            <a:r>
+              <a:rPr lang="en-US" altLang="ko-KR" sz="2400" b="1" dirty="0">
+                <a:solidFill>
+                  <a:srgbClr val="0070C0"/>
+                </a:solidFill>
+              </a:rPr>
+              <a:t>Docker </a:t>
+            </a:r>
+            <a:r>
+              <a:rPr lang="ko-KR" altLang="en-US" sz="2400" b="1" dirty="0">
+                <a:solidFill>
+                  <a:srgbClr val="0070C0"/>
+                </a:solidFill>
+              </a:rPr>
+              <a:t>구성요소</a:t>
+            </a:r>
+            <a:endParaRPr lang="ko-KR" altLang="en-US" b="1" dirty="0">
+              <a:solidFill>
+                <a:srgbClr val="0070C0"/>
+              </a:solidFill>
+            </a:endParaRPr>
+          </a:p>
+        </p:txBody>
+      </p:sp>
+      <p:pic>
+        <p:nvPicPr>
+          <p:cNvPr id="5" name="Picture 4" descr="Docker - 콥 노트">
+            <a:extLst>
+              <a:ext uri="{FF2B5EF4-FFF2-40B4-BE49-F238E27FC236}">
+                <a16:creationId xmlns:a16="http://schemas.microsoft.com/office/drawing/2014/main" id="{1A43FEB0-36A0-43E5-8EE7-203701F34577}"/>
+              </a:ext>
+            </a:extLst>
+          </p:cNvPr>
+          <p:cNvPicPr>
+            <a:picLocks noChangeAspect="1" noChangeArrowheads="1"/>
+          </p:cNvPicPr>
+          <p:nvPr/>
+        </p:nvPicPr>
+        <p:blipFill>
+          <a:blip r:embed="rId2">
+            <a:extLst>
+              <a:ext uri="{28A0092B-C50C-407E-A947-70E740481C1C}">
+                <a14:useLocalDpi xmlns:a14="http://schemas.microsoft.com/office/drawing/2010/main" val="0"/>
+              </a:ext>
+            </a:extLst>
+          </a:blip>
+          <a:srcRect/>
+          <a:stretch>
+            <a:fillRect/>
+          </a:stretch>
+        </p:blipFill>
+        <p:spPr bwMode="auto">
+          <a:xfrm>
+            <a:off x="9959358" y="0"/>
+            <a:ext cx="2055303" cy="528360"/>
+          </a:xfrm>
+          <a:prstGeom prst="rect">
+            <a:avLst/>
+          </a:prstGeom>
+          <a:noFill/>
+          <a:extLst>
+            <a:ext uri="{909E8E84-426E-40DD-AFC4-6F175D3DCCD1}">
+              <a14:hiddenFill xmlns:a14="http://schemas.microsoft.com/office/drawing/2010/main">
+                <a:solidFill>
+                  <a:srgbClr val="FFFFFF"/>
+                </a:solidFill>
+              </a14:hiddenFill>
+            </a:ext>
+          </a:extLst>
+        </p:spPr>
+      </p:pic>
+      <p:sp>
+        <p:nvSpPr>
+          <p:cNvPr id="2" name="TextBox 1">
+            <a:extLst>
+              <a:ext uri="{FF2B5EF4-FFF2-40B4-BE49-F238E27FC236}">
+                <a16:creationId xmlns:a16="http://schemas.microsoft.com/office/drawing/2014/main" id="{D0ADCFBD-59C9-4AF5-BCC5-C0A84CC35714}"/>
+              </a:ext>
+            </a:extLst>
+          </p:cNvPr>
+          <p:cNvSpPr txBox="1"/>
+          <p:nvPr/>
+        </p:nvSpPr>
+        <p:spPr>
+          <a:xfrm>
+            <a:off x="763480" y="1669002"/>
+            <a:ext cx="6205491" cy="461665"/>
+          </a:xfrm>
+          <a:prstGeom prst="rect">
+            <a:avLst/>
+          </a:prstGeom>
+          <a:noFill/>
+        </p:spPr>
+        <p:txBody>
+          <a:bodyPr wrap="square" rtlCol="0">
+            <a:spAutoFit/>
+          </a:bodyPr>
+          <a:lstStyle/>
+          <a:p>
+            <a:r>
+              <a:rPr lang="ko-KR" altLang="en-US" sz="2400" b="1" dirty="0"/>
+              <a:t>컨테이너</a:t>
+            </a:r>
+            <a:r>
+              <a:rPr lang="en-US" altLang="ko-KR" sz="2400" b="1" dirty="0"/>
+              <a:t>(Containers)</a:t>
+            </a:r>
+          </a:p>
+        </p:txBody>
+      </p:sp>
+      <p:sp>
+        <p:nvSpPr>
+          <p:cNvPr id="3" name="TextBox 2">
+            <a:extLst>
+              <a:ext uri="{FF2B5EF4-FFF2-40B4-BE49-F238E27FC236}">
+                <a16:creationId xmlns:a16="http://schemas.microsoft.com/office/drawing/2014/main" id="{35C4FB0C-3612-4775-95C8-2956A60C81AB}"/>
+              </a:ext>
+            </a:extLst>
+          </p:cNvPr>
+          <p:cNvSpPr txBox="1"/>
+          <p:nvPr/>
+        </p:nvSpPr>
+        <p:spPr>
+          <a:xfrm>
+            <a:off x="1420427" y="3151573"/>
+            <a:ext cx="10427855" cy="646331"/>
+          </a:xfrm>
+          <a:prstGeom prst="rect">
+            <a:avLst/>
+          </a:prstGeom>
+          <a:noFill/>
         </p:spPr>
         <p:txBody>
           <a:bodyPr wrap="none" rtlCol="0">
@@ -4797,6 +5219,243 @@
     <p:extLst>
       <p:ext uri="{BB962C8B-B14F-4D97-AF65-F5344CB8AC3E}">
         <p14:creationId xmlns:p14="http://schemas.microsoft.com/office/powerpoint/2010/main" val="4155404275"/>
+      </p:ext>
+    </p:extLst>
+  </p:cSld>
+  <p:clrMapOvr>
+    <a:masterClrMapping/>
+  </p:clrMapOvr>
+</p:sld>
+</file>
+
+<file path=ppt/slides/slide16.xml><?xml version="1.0" encoding="utf-8"?>
+<p:sld xmlns:a="http://schemas.openxmlformats.org/drawingml/2006/main" xmlns:r="http://schemas.openxmlformats.org/officeDocument/2006/relationships" xmlns:p="http://schemas.openxmlformats.org/presentationml/2006/main">
+  <p:cSld>
+    <p:spTree>
+      <p:nvGrpSpPr>
+        <p:cNvPr id="1" name=""/>
+        <p:cNvGrpSpPr/>
+        <p:nvPr/>
+      </p:nvGrpSpPr>
+      <p:grpSpPr>
+        <a:xfrm>
+          <a:off x="0" y="0"/>
+          <a:ext cx="0" cy="0"/>
+          <a:chOff x="0" y="0"/>
+          <a:chExt cx="0" cy="0"/>
+        </a:xfrm>
+      </p:grpSpPr>
+      <p:sp>
+        <p:nvSpPr>
+          <p:cNvPr id="4" name="직사각형 3">
+            <a:extLst>
+              <a:ext uri="{FF2B5EF4-FFF2-40B4-BE49-F238E27FC236}">
+                <a16:creationId xmlns:a16="http://schemas.microsoft.com/office/drawing/2014/main" id="{8ED7A43D-7FFB-4BAF-BA2F-DF4FA503A7C1}"/>
+              </a:ext>
+            </a:extLst>
+          </p:cNvPr>
+          <p:cNvSpPr/>
+          <p:nvPr/>
+        </p:nvSpPr>
+        <p:spPr>
+          <a:xfrm>
+            <a:off x="0" y="0"/>
+            <a:ext cx="12192000" cy="639192"/>
+          </a:xfrm>
+          <a:prstGeom prst="rect">
+            <a:avLst/>
+          </a:prstGeom>
+          <a:solidFill>
+            <a:schemeClr val="bg1">
+              <a:lumMod val="85000"/>
+            </a:schemeClr>
+          </a:solidFill>
+          <a:ln>
+            <a:noFill/>
+          </a:ln>
+        </p:spPr>
+        <p:style>
+          <a:lnRef idx="2">
+            <a:schemeClr val="accent1">
+              <a:shade val="50000"/>
+            </a:schemeClr>
+          </a:lnRef>
+          <a:fillRef idx="1">
+            <a:schemeClr val="accent1"/>
+          </a:fillRef>
+          <a:effectRef idx="0">
+            <a:schemeClr val="accent1"/>
+          </a:effectRef>
+          <a:fontRef idx="minor">
+            <a:schemeClr val="lt1"/>
+          </a:fontRef>
+        </p:style>
+        <p:txBody>
+          <a:bodyPr rtlCol="0" anchor="ctr"/>
+          <a:lstStyle/>
+          <a:p>
+            <a:r>
+              <a:rPr lang="en-US" altLang="ko-KR" sz="2400" b="1" dirty="0">
+                <a:solidFill>
+                  <a:srgbClr val="0070C0"/>
+                </a:solidFill>
+              </a:rPr>
+              <a:t>Docker </a:t>
+            </a:r>
+            <a:r>
+              <a:rPr lang="ko-KR" altLang="en-US" sz="2400" b="1" dirty="0">
+                <a:solidFill>
+                  <a:srgbClr val="0070C0"/>
+                </a:solidFill>
+              </a:rPr>
+              <a:t>구성요소</a:t>
+            </a:r>
+            <a:endParaRPr lang="ko-KR" altLang="en-US" b="1" dirty="0">
+              <a:solidFill>
+                <a:srgbClr val="0070C0"/>
+              </a:solidFill>
+            </a:endParaRPr>
+          </a:p>
+        </p:txBody>
+      </p:sp>
+      <p:pic>
+        <p:nvPicPr>
+          <p:cNvPr id="5" name="Picture 4" descr="Docker - 콥 노트">
+            <a:extLst>
+              <a:ext uri="{FF2B5EF4-FFF2-40B4-BE49-F238E27FC236}">
+                <a16:creationId xmlns:a16="http://schemas.microsoft.com/office/drawing/2014/main" id="{1A43FEB0-36A0-43E5-8EE7-203701F34577}"/>
+              </a:ext>
+            </a:extLst>
+          </p:cNvPr>
+          <p:cNvPicPr>
+            <a:picLocks noChangeAspect="1" noChangeArrowheads="1"/>
+          </p:cNvPicPr>
+          <p:nvPr/>
+        </p:nvPicPr>
+        <p:blipFill>
+          <a:blip r:embed="rId2">
+            <a:extLst>
+              <a:ext uri="{28A0092B-C50C-407E-A947-70E740481C1C}">
+                <a14:useLocalDpi xmlns:a14="http://schemas.microsoft.com/office/drawing/2010/main" val="0"/>
+              </a:ext>
+            </a:extLst>
+          </a:blip>
+          <a:srcRect/>
+          <a:stretch>
+            <a:fillRect/>
+          </a:stretch>
+        </p:blipFill>
+        <p:spPr bwMode="auto">
+          <a:xfrm>
+            <a:off x="9959358" y="0"/>
+            <a:ext cx="2055303" cy="528360"/>
+          </a:xfrm>
+          <a:prstGeom prst="rect">
+            <a:avLst/>
+          </a:prstGeom>
+          <a:noFill/>
+          <a:extLst>
+            <a:ext uri="{909E8E84-426E-40DD-AFC4-6F175D3DCCD1}">
+              <a14:hiddenFill xmlns:a14="http://schemas.microsoft.com/office/drawing/2010/main">
+                <a:solidFill>
+                  <a:srgbClr val="FFFFFF"/>
+                </a:solidFill>
+              </a14:hiddenFill>
+            </a:ext>
+          </a:extLst>
+        </p:spPr>
+      </p:pic>
+      <p:sp>
+        <p:nvSpPr>
+          <p:cNvPr id="2" name="TextBox 1">
+            <a:extLst>
+              <a:ext uri="{FF2B5EF4-FFF2-40B4-BE49-F238E27FC236}">
+                <a16:creationId xmlns:a16="http://schemas.microsoft.com/office/drawing/2014/main" id="{D0ADCFBD-59C9-4AF5-BCC5-C0A84CC35714}"/>
+              </a:ext>
+            </a:extLst>
+          </p:cNvPr>
+          <p:cNvSpPr txBox="1"/>
+          <p:nvPr/>
+        </p:nvSpPr>
+        <p:spPr>
+          <a:xfrm>
+            <a:off x="763480" y="1669002"/>
+            <a:ext cx="6205491" cy="461665"/>
+          </a:xfrm>
+          <a:prstGeom prst="rect">
+            <a:avLst/>
+          </a:prstGeom>
+          <a:noFill/>
+        </p:spPr>
+        <p:txBody>
+          <a:bodyPr wrap="square" rtlCol="0">
+            <a:spAutoFit/>
+          </a:bodyPr>
+          <a:lstStyle/>
+          <a:p>
+            <a:r>
+              <a:rPr lang="ko-KR" altLang="en-US" sz="2400" b="1" dirty="0" err="1"/>
+              <a:t>도커</a:t>
+            </a:r>
+            <a:r>
+              <a:rPr lang="ko-KR" altLang="en-US" sz="2400" b="1" dirty="0"/>
+              <a:t> 라이프 사이클</a:t>
+            </a:r>
+            <a:endParaRPr lang="en-US" altLang="ko-KR" sz="2400" b="1" dirty="0"/>
+          </a:p>
+        </p:txBody>
+      </p:sp>
+      <p:pic>
+        <p:nvPicPr>
+          <p:cNvPr id="1026" name="Picture 2" descr="Get Started with Docker Lifecycle | by Elliott Saslow | Future Vision |  Medium">
+            <a:extLst>
+              <a:ext uri="{FF2B5EF4-FFF2-40B4-BE49-F238E27FC236}">
+                <a16:creationId xmlns:a16="http://schemas.microsoft.com/office/drawing/2014/main" id="{36347332-B9BB-4CEA-A132-0C9AA8598E5B}"/>
+              </a:ext>
+            </a:extLst>
+          </p:cNvPr>
+          <p:cNvPicPr>
+            <a:picLocks noChangeAspect="1" noChangeArrowheads="1"/>
+          </p:cNvPicPr>
+          <p:nvPr/>
+        </p:nvPicPr>
+        <p:blipFill>
+          <a:blip r:embed="rId3">
+            <a:extLst>
+              <a:ext uri="{28A0092B-C50C-407E-A947-70E740481C1C}">
+                <a14:useLocalDpi xmlns:a14="http://schemas.microsoft.com/office/drawing/2010/main" val="0"/>
+              </a:ext>
+            </a:extLst>
+          </a:blip>
+          <a:srcRect/>
+          <a:stretch>
+            <a:fillRect/>
+          </a:stretch>
+        </p:blipFill>
+        <p:spPr bwMode="auto">
+          <a:xfrm>
+            <a:off x="2573216" y="2130667"/>
+            <a:ext cx="6205491" cy="3878432"/>
+          </a:xfrm>
+          <a:prstGeom prst="rect">
+            <a:avLst/>
+          </a:prstGeom>
+          <a:noFill/>
+          <a:extLst>
+            <a:ext uri="{909E8E84-426E-40DD-AFC4-6F175D3DCCD1}">
+              <a14:hiddenFill xmlns:a14="http://schemas.microsoft.com/office/drawing/2010/main">
+                <a:solidFill>
+                  <a:srgbClr val="FFFFFF"/>
+                </a:solidFill>
+              </a14:hiddenFill>
+            </a:ext>
+          </a:extLst>
+        </p:spPr>
+      </p:pic>
+    </p:spTree>
+    <p:extLst>
+      <p:ext uri="{BB962C8B-B14F-4D97-AF65-F5344CB8AC3E}">
+        <p14:creationId xmlns:p14="http://schemas.microsoft.com/office/powerpoint/2010/main" val="780221140"/>
       </p:ext>
     </p:extLst>
   </p:cSld>
@@ -4903,7 +5562,7 @@
         <p:spPr>
           <a:xfrm>
             <a:off x="645149" y="1323904"/>
-            <a:ext cx="3887924" cy="4210192"/>
+            <a:ext cx="3402213" cy="2055756"/>
           </a:xfrm>
           <a:prstGeom prst="rect">
             <a:avLst/>
@@ -4948,36 +5607,6 @@
               <a:t>구성요소</a:t>
             </a:r>
             <a:endParaRPr lang="en-US" altLang="ko-KR" sz="2800" dirty="0"/>
-          </a:p>
-          <a:p>
-            <a:pPr marL="514350" indent="-514350">
-              <a:lnSpc>
-                <a:spcPct val="250000"/>
-              </a:lnSpc>
-              <a:buAutoNum type="arabicPeriod"/>
-            </a:pPr>
-            <a:r>
-              <a:rPr lang="en-US" altLang="ko-KR" sz="2800" dirty="0"/>
-              <a:t>Docker </a:t>
-            </a:r>
-            <a:r>
-              <a:rPr lang="ko-KR" altLang="en-US" sz="2800" dirty="0"/>
-              <a:t>기본 사용법</a:t>
-            </a:r>
-            <a:endParaRPr lang="en-US" altLang="ko-KR" sz="2800" dirty="0"/>
-          </a:p>
-          <a:p>
-            <a:pPr marL="514350" indent="-514350">
-              <a:lnSpc>
-                <a:spcPct val="250000"/>
-              </a:lnSpc>
-              <a:buAutoNum type="arabicPeriod"/>
-            </a:pPr>
-            <a:r>
-              <a:rPr lang="en-US" altLang="ko-KR" sz="2800" dirty="0" err="1"/>
-              <a:t>Dockerfile</a:t>
-            </a:r>
-            <a:endParaRPr lang="ko-KR" altLang="en-US" sz="2800" dirty="0"/>
           </a:p>
         </p:txBody>
       </p:sp>
